--- a/proj0_release/proj0_template.pptx
+++ b/proj0_release/proj0_template.pptx
@@ -6298,7 +6298,31 @@
                   <a:srgbClr val="FF0000"/>
                 </a:solidFill>
               </a:rPr>
-              <a:t>Name</a:t>
+              <a:t>Aaron Lopes</a:t>
+            </a:r>
+            <a:endParaRPr dirty="0">
+              <a:solidFill>
+                <a:srgbClr val="FF0000"/>
+              </a:solidFill>
+            </a:endParaRPr>
+          </a:p>
+          <a:p>
+            <a:pPr marL="0" lvl="0" indent="0" algn="ctr" rtl="0">
+              <a:spcBef>
+                <a:spcPts val="0"/>
+              </a:spcBef>
+              <a:spcAft>
+                <a:spcPts val="0"/>
+              </a:spcAft>
+              <a:buNone/>
+            </a:pPr>
+            <a:r>
+              <a:rPr lang="en-US" dirty="0" err="1">
+                <a:solidFill>
+                  <a:srgbClr val="FF0000"/>
+                </a:solidFill>
+              </a:rPr>
+              <a:t>alopes@gatech.edu</a:t>
             </a:r>
             <a:endParaRPr dirty="0">
               <a:solidFill>
@@ -6322,31 +6346,7 @@
                   <a:srgbClr val="FF0000"/>
                 </a:solidFill>
               </a:rPr>
-              <a:t>GT Email</a:t>
-            </a:r>
-            <a:endParaRPr dirty="0">
-              <a:solidFill>
-                <a:srgbClr val="FF0000"/>
-              </a:solidFill>
-            </a:endParaRPr>
-          </a:p>
-          <a:p>
-            <a:pPr marL="0" lvl="0" indent="0" algn="ctr" rtl="0">
-              <a:spcBef>
-                <a:spcPts val="0"/>
-              </a:spcBef>
-              <a:spcAft>
-                <a:spcPts val="0"/>
-              </a:spcAft>
-              <a:buNone/>
-            </a:pPr>
-            <a:r>
-              <a:rPr lang="en" dirty="0">
-                <a:solidFill>
-                  <a:srgbClr val="FF0000"/>
-                </a:solidFill>
-              </a:rPr>
-              <a:t>GT ID</a:t>
+              <a:t>903407727</a:t>
             </a:r>
             <a:endParaRPr dirty="0">
               <a:solidFill>
@@ -6514,6 +6514,36 @@
           </a:p>
         </p:txBody>
       </p:sp>
+      <p:pic>
+        <p:nvPicPr>
+          <p:cNvPr id="3" name="Picture 2">
+            <a:extLst>
+              <a:ext uri="{FF2B5EF4-FFF2-40B4-BE49-F238E27FC236}">
+                <a16:creationId xmlns:a16="http://schemas.microsoft.com/office/drawing/2014/main" id="{73B80B64-4D3D-F44B-9A22-C02EC53A6FE5}"/>
+              </a:ext>
+            </a:extLst>
+          </p:cNvPr>
+          <p:cNvPicPr>
+            <a:picLocks noChangeAspect="1"/>
+          </p:cNvPicPr>
+          <p:nvPr/>
+        </p:nvPicPr>
+        <p:blipFill>
+          <a:blip r:embed="rId3"/>
+          <a:stretch>
+            <a:fillRect/>
+          </a:stretch>
+        </p:blipFill>
+        <p:spPr>
+          <a:xfrm>
+            <a:off x="1963863" y="1303244"/>
+            <a:ext cx="4762500" cy="3200400"/>
+          </a:xfrm>
+          <a:prstGeom prst="rect">
+            <a:avLst/>
+          </a:prstGeom>
+        </p:spPr>
+      </p:pic>
     </p:spTree>
     <p:extLst>
       <p:ext uri="{BB962C8B-B14F-4D97-AF65-F5344CB8AC3E}">
@@ -6616,7 +6646,23 @@
                   <a:srgbClr val="FF0000"/>
                 </a:solidFill>
               </a:rPr>
-              <a:t>&lt;Text solution here&gt;</a:t>
+              <a:t>Setting up was </a:t>
+            </a:r>
+            <a:r>
+              <a:rPr lang="en-US">
+                <a:solidFill>
+                  <a:srgbClr val="FF0000"/>
+                </a:solidFill>
+              </a:rPr>
+              <a:t>simple enough, </a:t>
+            </a:r>
+            <a:r>
+              <a:rPr lang="en-US" dirty="0">
+                <a:solidFill>
+                  <a:srgbClr val="FF0000"/>
+                </a:solidFill>
+              </a:rPr>
+              <a:t>however I was hoping that there would be more guidance on training using GPU</a:t>
             </a:r>
           </a:p>
         </p:txBody>
@@ -6916,7 +6962,7 @@
                   <a:srgbClr val="FF0000"/>
                 </a:solidFill>
               </a:rPr>
-              <a:t>&lt;Text solution here&gt;</a:t>
+              <a:t>Torch will return an error. You cannot multiple a 2x3 matrix by a 1x3 matrix.</a:t>
             </a:r>
           </a:p>
         </p:txBody>
@@ -7032,18 +7078,32 @@
               <a:t>([</a:t>
             </a:r>
             <a:r>
-              <a:rPr lang="en-US" dirty="0" err="1">
+              <a:rPr lang="en-US" dirty="0">
                 <a:solidFill>
                   <a:srgbClr val="FF0000"/>
                 </a:solidFill>
               </a:rPr>
-              <a:t>a,b</a:t>
+              <a:t>[a],[b]</a:t>
             </a:r>
             <a:r>
               <a:rPr lang="en-US" dirty="0"/>
               <a:t>])</a:t>
             </a:r>
-            <a:endParaRPr dirty="0"/>
+          </a:p>
+          <a:p>
+            <a:pPr marL="0" lvl="0" indent="0">
+              <a:spcBef>
+                <a:spcPts val="1600"/>
+              </a:spcBef>
+              <a:spcAft>
+                <a:spcPts val="1600"/>
+              </a:spcAft>
+              <a:buNone/>
+            </a:pPr>
+            <a:r>
+              <a:rPr lang="en-US" dirty="0"/>
+              <a:t>Returns (2,1)</a:t>
+            </a:r>
           </a:p>
         </p:txBody>
       </p:sp>
@@ -7331,12 +7391,12 @@
               <a:t>[</a:t>
             </a:r>
             <a:r>
-              <a:rPr lang="en-US" dirty="0" err="1">
+              <a:rPr lang="en-US" dirty="0">
                 <a:solidFill>
                   <a:srgbClr val="FF0000"/>
                 </a:solidFill>
               </a:rPr>
-              <a:t>a:b</a:t>
+              <a:t>200:430</a:t>
             </a:r>
             <a:r>
               <a:rPr lang="en-US" dirty="0">
@@ -7355,15 +7415,7 @@
                   <a:srgbClr val="FF0000"/>
                 </a:solidFill>
               </a:rPr>
-              <a:t> </a:t>
-            </a:r>
-            <a:r>
-              <a:rPr lang="en-US" dirty="0" err="1">
-                <a:solidFill>
-                  <a:srgbClr val="FF0000"/>
-                </a:solidFill>
-              </a:rPr>
-              <a:t>c:d</a:t>
+              <a:t> 150:780</a:t>
             </a:r>
             <a:r>
               <a:rPr lang="en-US" dirty="0"/>
@@ -7523,7 +7575,7 @@
                   <a:srgbClr val="FF0000"/>
                 </a:solidFill>
               </a:rPr>
-              <a:t>&lt;Text solution here&gt;</a:t>
+              <a:t>The coloring of the image changes, with the fish matching the color of the layer on top and the color of the water a blend of the two bottom images.</a:t>
             </a:r>
           </a:p>
         </p:txBody>
@@ -7680,6 +7732,36 @@
           </a:p>
         </p:txBody>
       </p:sp>
+      <p:pic>
+        <p:nvPicPr>
+          <p:cNvPr id="3" name="Picture 2" descr="A group of fish swimming&#10;&#10;Description automatically generated with low confidence">
+            <a:extLst>
+              <a:ext uri="{FF2B5EF4-FFF2-40B4-BE49-F238E27FC236}">
+                <a16:creationId xmlns:a16="http://schemas.microsoft.com/office/drawing/2014/main" id="{6BA55057-3D46-1E43-BA47-9BEE6229F0D8}"/>
+              </a:ext>
+            </a:extLst>
+          </p:cNvPr>
+          <p:cNvPicPr>
+            <a:picLocks noChangeAspect="1"/>
+          </p:cNvPicPr>
+          <p:nvPr/>
+        </p:nvPicPr>
+        <p:blipFill>
+          <a:blip r:embed="rId3"/>
+          <a:stretch>
+            <a:fillRect/>
+          </a:stretch>
+        </p:blipFill>
+        <p:spPr>
+          <a:xfrm>
+            <a:off x="2109913" y="1079500"/>
+            <a:ext cx="4470400" cy="2984500"/>
+          </a:xfrm>
+          <a:prstGeom prst="rect">
+            <a:avLst/>
+          </a:prstGeom>
+        </p:spPr>
+      </p:pic>
     </p:spTree>
   </p:cSld>
   <p:clrMapOvr>
